--- a/Zymsoft Presentation.pptx
+++ b/Zymsoft Presentation.pptx
@@ -228,7 +228,7 @@
           <a:p>
             <a:fld id="{34475077-A074-4E8C-B45E-964494945228}" type="datetimeFigureOut">
               <a:rPr lang="en-US"/>
-              <a:t>4/11/2019</a:t>
+              <a:t>4/12/2019</a:t>
             </a:fld>
             <a:endParaRPr/>
           </a:p>
@@ -393,7 +393,7 @@
           <a:p>
             <a:fld id="{6A2B48A4-4B96-49F4-8C25-4C9D06114B2C}" type="datetimeFigureOut">
               <a:rPr lang="en-US"/>
-              <a:t>4/11/2019</a:t>
+              <a:t>4/12/2019</a:t>
             </a:fld>
             <a:endParaRPr/>
           </a:p>
@@ -1463,7 +1463,7 @@
           <a:p>
             <a:fld id="{0402902D-A5F5-4D7D-AAA7-32469BA0BC4D}" type="datetimeFigureOut">
               <a:rPr lang="en-US"/>
-              <a:t>4/11/2019</a:t>
+              <a:t>4/12/2019</a:t>
             </a:fld>
             <a:endParaRPr/>
           </a:p>
@@ -1734,7 +1734,7 @@
           <a:p>
             <a:fld id="{0402902D-A5F5-4D7D-AAA7-32469BA0BC4D}" type="datetimeFigureOut">
               <a:rPr lang="en-US"/>
-              <a:t>4/11/2019</a:t>
+              <a:t>4/12/2019</a:t>
             </a:fld>
             <a:endParaRPr/>
           </a:p>
@@ -1916,7 +1916,7 @@
           <a:p>
             <a:fld id="{0402902D-A5F5-4D7D-AAA7-32469BA0BC4D}" type="datetimeFigureOut">
               <a:rPr lang="en-US"/>
-              <a:t>4/11/2019</a:t>
+              <a:t>4/12/2019</a:t>
             </a:fld>
             <a:endParaRPr/>
           </a:p>
@@ -2503,7 +2503,7 @@
           <a:p>
             <a:fld id="{0402902D-A5F5-4D7D-AAA7-32469BA0BC4D}" type="datetimeFigureOut">
               <a:rPr lang="en-US"/>
-              <a:t>4/11/2019</a:t>
+              <a:t>4/12/2019</a:t>
             </a:fld>
             <a:endParaRPr/>
           </a:p>
@@ -2951,7 +2951,7 @@
           <a:p>
             <a:fld id="{0402902D-A5F5-4D7D-AAA7-32469BA0BC4D}" type="datetimeFigureOut">
               <a:rPr lang="en-US"/>
-              <a:t>4/11/2019</a:t>
+              <a:t>4/12/2019</a:t>
             </a:fld>
             <a:endParaRPr/>
           </a:p>
@@ -3081,7 +3081,7 @@
           <a:p>
             <a:fld id="{0402902D-A5F5-4D7D-AAA7-32469BA0BC4D}" type="datetimeFigureOut">
               <a:rPr lang="en-US"/>
-              <a:t>4/11/2019</a:t>
+              <a:t>4/12/2019</a:t>
             </a:fld>
             <a:endParaRPr/>
           </a:p>
@@ -3188,7 +3188,7 @@
           <a:p>
             <a:fld id="{0402902D-A5F5-4D7D-AAA7-32469BA0BC4D}" type="datetimeFigureOut">
               <a:rPr lang="en-US"/>
-              <a:t>4/11/2019</a:t>
+              <a:t>4/12/2019</a:t>
             </a:fld>
             <a:endParaRPr dirty="0"/>
           </a:p>
@@ -4160,7 +4160,7 @@
             <a:fld id="{0402902D-A5F5-4D7D-AAA7-32469BA0BC4D}" type="datetimeFigureOut">
               <a:rPr lang="en-US"/>
               <a:pPr/>
-              <a:t>4/11/2019</a:t>
+              <a:t>4/12/2019</a:t>
             </a:fld>
             <a:endParaRPr dirty="0"/>
           </a:p>
@@ -4922,7 +4922,11 @@
           <a:p>
             <a:r>
               <a:rPr lang="en-US" dirty="0" smtClean="0"/>
-              <a:t>Database Model</a:t>
+              <a:t>How </a:t>
+            </a:r>
+            <a:r>
+              <a:rPr lang="en-US" dirty="0" smtClean="0"/>
+              <a:t>does it work?</a:t>
             </a:r>
             <a:endParaRPr lang="en-US" dirty="0"/>
           </a:p>
@@ -4953,7 +4957,7 @@
       </p:sp>
       <p:pic>
         <p:nvPicPr>
-          <p:cNvPr id="5" name="Picture 4"/>
+          <p:cNvPr id="6" name="Picture 5"/>
           <p:cNvPicPr>
             <a:picLocks noChangeAspect="1"/>
           </p:cNvPicPr>
@@ -4973,8 +4977,8 @@
         </p:blipFill>
         <p:spPr>
           <a:xfrm>
-            <a:off x="5719623" y="310901"/>
-            <a:ext cx="4959561" cy="5861299"/>
+            <a:off x="4444451" y="654340"/>
+            <a:ext cx="7653137" cy="5684427"/>
           </a:xfrm>
           <a:prstGeom prst="rect">
             <a:avLst/>
@@ -6561,17 +6565,12 @@
             </a:r>
             <a:r>
               <a:rPr lang="en-US" dirty="0" err="1" smtClean="0"/>
-              <a:t>AF</a:t>
-            </a:r>
-            <a:r>
-              <a:rPr lang="en-US" dirty="0" err="1" smtClean="0"/>
-              <a:t>orge</a:t>
+              <a:t>AForge</a:t>
             </a:r>
             <a:r>
               <a:rPr lang="en-US" dirty="0" smtClean="0"/>
               <a:t> .NET, Native Java Android, Entity Framework, Web API Core, Microsoft SQL Server</a:t>
             </a:r>
-            <a:endParaRPr lang="en-US" dirty="0" smtClean="0"/>
           </a:p>
           <a:p>
             <a:r>
